--- a/복습정리자료/spring 1주차 정리(kyungmin).pptx
+++ b/복습정리자료/spring 1주차 정리(kyungmin).pptx
@@ -208,7 +208,7 @@
           <a:p>
             <a:fld id="{E7126C9E-4437-4C4F-8115-44D12435768A}" type="datetimeFigureOut">
               <a:rPr kumimoji="1" lang="ko-Kore-KR" altLang="en-US" smtClean="0"/>
-              <a:t>2023. 9. 15.</a:t>
+              <a:t>2023. 10. 7.</a:t>
             </a:fld>
             <a:endParaRPr kumimoji="1" lang="ko-Kore-KR" altLang="en-US"/>
           </a:p>
@@ -709,7 +709,7 @@
           <a:p>
             <a:fld id="{8424DCE0-3893-FD4C-86B6-7BE8B037B8A2}" type="datetimeFigureOut">
               <a:rPr kumimoji="1" lang="ko-Kore-KR" altLang="en-US" smtClean="0"/>
-              <a:t>2023. 9. 15.</a:t>
+              <a:t>2023. 10. 7.</a:t>
             </a:fld>
             <a:endParaRPr kumimoji="1" lang="ko-Kore-KR" altLang="en-US"/>
           </a:p>
@@ -909,7 +909,7 @@
           <a:p>
             <a:fld id="{8424DCE0-3893-FD4C-86B6-7BE8B037B8A2}" type="datetimeFigureOut">
               <a:rPr kumimoji="1" lang="ko-Kore-KR" altLang="en-US" smtClean="0"/>
-              <a:t>2023. 9. 15.</a:t>
+              <a:t>2023. 10. 7.</a:t>
             </a:fld>
             <a:endParaRPr kumimoji="1" lang="ko-Kore-KR" altLang="en-US"/>
           </a:p>
@@ -1119,7 +1119,7 @@
           <a:p>
             <a:fld id="{8424DCE0-3893-FD4C-86B6-7BE8B037B8A2}" type="datetimeFigureOut">
               <a:rPr kumimoji="1" lang="ko-Kore-KR" altLang="en-US" smtClean="0"/>
-              <a:t>2023. 9. 15.</a:t>
+              <a:t>2023. 10. 7.</a:t>
             </a:fld>
             <a:endParaRPr kumimoji="1" lang="ko-Kore-KR" altLang="en-US"/>
           </a:p>
@@ -1319,7 +1319,7 @@
           <a:p>
             <a:fld id="{8424DCE0-3893-FD4C-86B6-7BE8B037B8A2}" type="datetimeFigureOut">
               <a:rPr kumimoji="1" lang="ko-Kore-KR" altLang="en-US" smtClean="0"/>
-              <a:t>2023. 9. 15.</a:t>
+              <a:t>2023. 10. 7.</a:t>
             </a:fld>
             <a:endParaRPr kumimoji="1" lang="ko-Kore-KR" altLang="en-US"/>
           </a:p>
@@ -1595,7 +1595,7 @@
           <a:p>
             <a:fld id="{8424DCE0-3893-FD4C-86B6-7BE8B037B8A2}" type="datetimeFigureOut">
               <a:rPr kumimoji="1" lang="ko-Kore-KR" altLang="en-US" smtClean="0"/>
-              <a:t>2023. 9. 15.</a:t>
+              <a:t>2023. 10. 7.</a:t>
             </a:fld>
             <a:endParaRPr kumimoji="1" lang="ko-Kore-KR" altLang="en-US"/>
           </a:p>
@@ -1863,7 +1863,7 @@
           <a:p>
             <a:fld id="{8424DCE0-3893-FD4C-86B6-7BE8B037B8A2}" type="datetimeFigureOut">
               <a:rPr kumimoji="1" lang="ko-Kore-KR" altLang="en-US" smtClean="0"/>
-              <a:t>2023. 9. 15.</a:t>
+              <a:t>2023. 10. 7.</a:t>
             </a:fld>
             <a:endParaRPr kumimoji="1" lang="ko-Kore-KR" altLang="en-US"/>
           </a:p>
@@ -2278,7 +2278,7 @@
           <a:p>
             <a:fld id="{8424DCE0-3893-FD4C-86B6-7BE8B037B8A2}" type="datetimeFigureOut">
               <a:rPr kumimoji="1" lang="ko-Kore-KR" altLang="en-US" smtClean="0"/>
-              <a:t>2023. 9. 15.</a:t>
+              <a:t>2023. 10. 7.</a:t>
             </a:fld>
             <a:endParaRPr kumimoji="1" lang="ko-Kore-KR" altLang="en-US"/>
           </a:p>
@@ -2420,7 +2420,7 @@
           <a:p>
             <a:fld id="{8424DCE0-3893-FD4C-86B6-7BE8B037B8A2}" type="datetimeFigureOut">
               <a:rPr kumimoji="1" lang="ko-Kore-KR" altLang="en-US" smtClean="0"/>
-              <a:t>2023. 9. 15.</a:t>
+              <a:t>2023. 10. 7.</a:t>
             </a:fld>
             <a:endParaRPr kumimoji="1" lang="ko-Kore-KR" altLang="en-US"/>
           </a:p>
@@ -2533,7 +2533,7 @@
           <a:p>
             <a:fld id="{8424DCE0-3893-FD4C-86B6-7BE8B037B8A2}" type="datetimeFigureOut">
               <a:rPr kumimoji="1" lang="ko-Kore-KR" altLang="en-US" smtClean="0"/>
-              <a:t>2023. 9. 15.</a:t>
+              <a:t>2023. 10. 7.</a:t>
             </a:fld>
             <a:endParaRPr kumimoji="1" lang="ko-Kore-KR" altLang="en-US"/>
           </a:p>
@@ -2846,7 +2846,7 @@
           <a:p>
             <a:fld id="{8424DCE0-3893-FD4C-86B6-7BE8B037B8A2}" type="datetimeFigureOut">
               <a:rPr kumimoji="1" lang="ko-Kore-KR" altLang="en-US" smtClean="0"/>
-              <a:t>2023. 9. 15.</a:t>
+              <a:t>2023. 10. 7.</a:t>
             </a:fld>
             <a:endParaRPr kumimoji="1" lang="ko-Kore-KR" altLang="en-US"/>
           </a:p>
@@ -3135,7 +3135,7 @@
           <a:p>
             <a:fld id="{8424DCE0-3893-FD4C-86B6-7BE8B037B8A2}" type="datetimeFigureOut">
               <a:rPr kumimoji="1" lang="ko-Kore-KR" altLang="en-US" smtClean="0"/>
-              <a:t>2023. 9. 15.</a:t>
+              <a:t>2023. 10. 7.</a:t>
             </a:fld>
             <a:endParaRPr kumimoji="1" lang="ko-Kore-KR" altLang="en-US"/>
           </a:p>
@@ -3378,7 +3378,7 @@
           <a:p>
             <a:fld id="{8424DCE0-3893-FD4C-86B6-7BE8B037B8A2}" type="datetimeFigureOut">
               <a:rPr kumimoji="1" lang="ko-Kore-KR" altLang="en-US" smtClean="0"/>
-              <a:t>2023. 9. 15.</a:t>
+              <a:t>2023. 10. 7.</a:t>
             </a:fld>
             <a:endParaRPr kumimoji="1" lang="ko-Kore-KR" altLang="en-US"/>
           </a:p>
@@ -4076,7 +4076,7 @@
         </p:blipFill>
         <p:spPr>
           <a:xfrm>
-            <a:off x="201792" y="1094748"/>
+            <a:off x="201792" y="905562"/>
             <a:ext cx="7264400" cy="5763252"/>
           </a:xfrm>
           <a:prstGeom prst="rect">
@@ -7401,7 +7401,7 @@
         </p:blipFill>
         <p:spPr>
           <a:xfrm>
-            <a:off x="6538504" y="457572"/>
+            <a:off x="6527994" y="457572"/>
             <a:ext cx="5369624" cy="3420225"/>
           </a:xfrm>
           <a:prstGeom prst="rect">
@@ -7668,7 +7668,7 @@
         </p:blipFill>
         <p:spPr>
           <a:xfrm>
-            <a:off x="201791" y="1511917"/>
+            <a:off x="201791" y="1365924"/>
             <a:ext cx="6966264" cy="4731227"/>
           </a:xfrm>
           <a:prstGeom prst="rect">
